--- a/lectures3/gr/Pythonlearn-07-Files.pptx
+++ b/lectures3/gr/Pythonlearn-07-Files.pptx
@@ -31,7 +31,7 @@
     <p:sldId id="275" r:id="rId22"/>
     <p:sldId id="276" r:id="rId23"/>
     <p:sldId id="277" r:id="rId24"/>
-    <p:sldId id="320" r:id="rId25"/>
+    <p:sldId id="321" r:id="rId25"/>
   </p:sldIdLst>
   <p:sldSz cx="16256000" cy="9144000"/>
   <p:notesSz cx="6858000" cy="9144000"/>
@@ -6987,8 +6987,8 @@
         </p:nvSpPr>
         <p:spPr>
           <a:xfrm>
-            <a:off x="8845300" y="2819350"/>
-            <a:ext cx="6931200" cy="4787999"/>
+            <a:off x="8663553" y="2819350"/>
+            <a:ext cx="7410629" cy="4787999"/>
           </a:xfrm>
           <a:prstGeom prst="rect">
             <a:avLst/>
@@ -7067,31 +7067,7 @@
                 <a:cs typeface="Courier"/>
                 <a:sym typeface="Courier New"/>
               </a:rPr>
-              <a:t>('</a:t>
-            </a:r>
-            <a:r>
-              <a:rPr lang="en-US" sz="3000" i="0" u="none" strike="noStrike" cap="none" dirty="0" err="1">
-                <a:solidFill>
-                  <a:schemeClr val="lt1"/>
-                </a:solidFill>
-                <a:latin typeface="Courier"/>
-                <a:ea typeface="Courier"/>
-                <a:cs typeface="Courier"/>
-                <a:sym typeface="Courier New"/>
-              </a:rPr>
-              <a:t>mbox.txt</a:t>
-            </a:r>
-            <a:r>
-              <a:rPr lang="en-US" sz="3000" i="0" u="none" strike="noStrike" cap="none" dirty="0">
-                <a:solidFill>
-                  <a:schemeClr val="lt1"/>
-                </a:solidFill>
-                <a:latin typeface="Courier"/>
-                <a:ea typeface="Courier"/>
-                <a:cs typeface="Courier"/>
-                <a:sym typeface="Courier New"/>
-              </a:rPr>
-              <a:t>')</a:t>
+              <a:t>('mbox.txt’)</a:t>
             </a:r>
           </a:p>
           <a:p>
@@ -7113,7 +7089,7 @@
               <a:buNone/>
             </a:pPr>
             <a:r>
-              <a:rPr lang="en-US" sz="3000" i="0" u="none" strike="noStrike" cap="none" dirty="0">
+              <a:rPr lang="el-GR" sz="3000" i="0" u="none" strike="noStrike" cap="none" dirty="0">
                 <a:solidFill>
                   <a:srgbClr val="FF7F00"/>
                 </a:solidFill>
@@ -7122,7 +7098,7 @@
                 <a:cs typeface="Courier"/>
                 <a:sym typeface="Courier New"/>
               </a:rPr>
-              <a:t>count</a:t>
+              <a:t>πλήθος</a:t>
             </a:r>
             <a:r>
               <a:rPr lang="en-US" sz="3000" i="0" u="none" strike="noStrike" cap="none" dirty="0">
@@ -7283,8 +7259,32 @@
               <a:t>    </a:t>
             </a:r>
             <a:r>
+              <a:rPr lang="el-GR" sz="3000" i="0" u="none" strike="noStrike" cap="none" dirty="0">
+                <a:solidFill>
+                  <a:srgbClr val="FF7F00"/>
+                </a:solidFill>
+                <a:latin typeface="Courier"/>
+                <a:ea typeface="Courier"/>
+                <a:cs typeface="Courier"/>
+                <a:sym typeface="Courier New"/>
+              </a:rPr>
+              <a:t>πλήθος</a:t>
+            </a:r>
+            <a:r>
               <a:rPr lang="en-US" sz="3000" i="0" u="none" strike="noStrike" cap="none" dirty="0">
                 <a:solidFill>
+                  <a:schemeClr val="lt1"/>
+                </a:solidFill>
+                <a:latin typeface="Courier"/>
+                <a:ea typeface="Courier"/>
+                <a:cs typeface="Courier"/>
+                <a:sym typeface="Courier New"/>
+              </a:rPr>
+              <a:t> = </a:t>
+            </a:r>
+            <a:r>
+              <a:rPr lang="el-GR" sz="3000" i="0" u="none" strike="noStrike" cap="none" dirty="0">
+                <a:solidFill>
                   <a:srgbClr val="FF7F00"/>
                 </a:solidFill>
                 <a:latin typeface="Courier"/>
@@ -7292,31 +7292,7 @@
                 <a:cs typeface="Courier"/>
                 <a:sym typeface="Courier New"/>
               </a:rPr>
-              <a:t>count</a:t>
-            </a:r>
-            <a:r>
-              <a:rPr lang="en-US" sz="3000" i="0" u="none" strike="noStrike" cap="none" dirty="0">
-                <a:solidFill>
-                  <a:schemeClr val="lt1"/>
-                </a:solidFill>
-                <a:latin typeface="Courier"/>
-                <a:ea typeface="Courier"/>
-                <a:cs typeface="Courier"/>
-                <a:sym typeface="Courier New"/>
-              </a:rPr>
-              <a:t> = </a:t>
-            </a:r>
-            <a:r>
-              <a:rPr lang="en-US" sz="3000" i="0" u="none" strike="noStrike" cap="none" dirty="0">
-                <a:solidFill>
-                  <a:srgbClr val="FF7F00"/>
-                </a:solidFill>
-                <a:latin typeface="Courier"/>
-                <a:ea typeface="Courier"/>
-                <a:cs typeface="Courier"/>
-                <a:sym typeface="Courier New"/>
-              </a:rPr>
-              <a:t>count</a:t>
+              <a:t>πλήθος</a:t>
             </a:r>
             <a:r>
               <a:rPr lang="en-US" sz="3000" i="0" u="none" strike="noStrike" cap="none" dirty="0">
@@ -7383,11 +7359,35 @@
                 <a:cs typeface="Courier"/>
                 <a:sym typeface="Courier New"/>
               </a:rPr>
-              <a:t>'Line Count:', </a:t>
+              <a:t>'</a:t>
+            </a:r>
+            <a:r>
+              <a:rPr lang="el-GR" sz="3000" i="0" u="none" strike="noStrike" cap="none" dirty="0">
+                <a:solidFill>
+                  <a:schemeClr val="lt1"/>
+                </a:solidFill>
+                <a:latin typeface="Courier"/>
+                <a:ea typeface="Courier"/>
+                <a:cs typeface="Courier"/>
+                <a:sym typeface="Courier New"/>
+              </a:rPr>
+              <a:t>Πλήθος Γραμμών</a:t>
             </a:r>
             <a:r>
               <a:rPr lang="en-US" sz="3000" i="0" u="none" strike="noStrike" cap="none" dirty="0">
                 <a:solidFill>
+                  <a:schemeClr val="lt1"/>
+                </a:solidFill>
+                <a:latin typeface="Courier"/>
+                <a:ea typeface="Courier"/>
+                <a:cs typeface="Courier"/>
+                <a:sym typeface="Courier New"/>
+              </a:rPr>
+              <a:t>:', </a:t>
+            </a:r>
+            <a:r>
+              <a:rPr lang="el-GR" sz="3000" i="0" u="none" strike="noStrike" cap="none" dirty="0">
+                <a:solidFill>
                   <a:srgbClr val="FF7F00"/>
                 </a:solidFill>
                 <a:latin typeface="Courier"/>
@@ -7395,7 +7395,7 @@
                 <a:cs typeface="Courier"/>
                 <a:sym typeface="Courier New"/>
               </a:rPr>
-              <a:t>count</a:t>
+              <a:t>πλήθος</a:t>
             </a:r>
             <a:r>
               <a:rPr lang="en-US" sz="3000" i="0" u="none" strike="noStrike" cap="none" dirty="0">
@@ -7539,6 +7539,18 @@
               <a:buNone/>
             </a:pPr>
             <a:r>
+              <a:rPr lang="el-GR" sz="3000" i="0" u="none" strike="noStrike" cap="none" dirty="0">
+                <a:solidFill>
+                  <a:schemeClr val="lt1"/>
+                </a:solidFill>
+                <a:latin typeface="Courier"/>
+                <a:ea typeface="Courier"/>
+                <a:cs typeface="Courier"/>
+                <a:sym typeface="Courier New"/>
+              </a:rPr>
+              <a:t>Πλήθος Γραμμών</a:t>
+            </a:r>
+            <a:r>
               <a:rPr lang="en-US" sz="3000" i="0" u="none" strike="noStrike" cap="none" dirty="0">
                 <a:solidFill>
                   <a:schemeClr val="lt1"/>
@@ -7548,7 +7560,7 @@
                 <a:cs typeface="Courier"/>
                 <a:sym typeface="Courier New"/>
               </a:rPr>
-              <a:t>Line Count: 132045</a:t>
+              <a:t>: 132045</a:t>
             </a:r>
           </a:p>
         </p:txBody>
@@ -8531,8 +8543,8 @@
         </p:nvSpPr>
         <p:spPr>
           <a:xfrm>
-            <a:off x="8049525" y="3161700"/>
-            <a:ext cx="7276200" cy="2444699"/>
+            <a:off x="7780149" y="3161700"/>
+            <a:ext cx="7545576" cy="2444699"/>
           </a:xfrm>
           <a:prstGeom prst="rect">
             <a:avLst/>
@@ -8681,7 +8693,7 @@
               <a:t> </a:t>
             </a:r>
             <a:r>
-              <a:rPr lang="en-US" sz="2800" i="0" u="none" strike="noStrike" cap="none" dirty="0">
+              <a:rPr lang="el-GR" sz="2800" i="0" u="none" strike="noStrike" cap="none" dirty="0">
                 <a:solidFill>
                   <a:srgbClr val="00FF00"/>
                 </a:solidFill>
@@ -8690,7 +8702,7 @@
                 <a:cs typeface="Courier"/>
                 <a:sym typeface="Courier New"/>
               </a:rPr>
-              <a:t>line</a:t>
+              <a:t>γραμμή</a:t>
             </a:r>
             <a:r>
               <a:rPr lang="en-US" sz="2800" i="0" u="none" strike="noStrike" cap="none" dirty="0">
@@ -8808,20 +8820,32 @@
               <a:t> </a:t>
             </a:r>
             <a:r>
+              <a:rPr lang="el-GR" sz="2800" i="0" u="none" strike="noStrike" cap="none" dirty="0">
+                <a:solidFill>
+                  <a:srgbClr val="00FF00"/>
+                </a:solidFill>
+                <a:latin typeface="Courier"/>
+                <a:ea typeface="Courier"/>
+                <a:cs typeface="Courier"/>
+                <a:sym typeface="Courier New"/>
+              </a:rPr>
+              <a:t>γραμμή</a:t>
+            </a:r>
+            <a:r>
+              <a:rPr lang="en-US" sz="2800" i="0" u="none" strike="noStrike" cap="none" dirty="0">
+                <a:solidFill>
+                  <a:srgbClr val="FF00FF"/>
+                </a:solidFill>
+                <a:latin typeface="Courier"/>
+                <a:ea typeface="Courier"/>
+                <a:cs typeface="Courier"/>
+                <a:sym typeface="Courier New"/>
+              </a:rPr>
+              <a:t>.</a:t>
+            </a:r>
+            <a:r>
               <a:rPr lang="en-US" sz="2800" i="0" u="none" strike="noStrike" cap="none" dirty="0" err="1">
                 <a:solidFill>
-                  <a:srgbClr val="00FF00"/>
-                </a:solidFill>
-                <a:latin typeface="Courier"/>
-                <a:ea typeface="Courier"/>
-                <a:cs typeface="Courier"/>
-                <a:sym typeface="Courier New"/>
-              </a:rPr>
-              <a:t>line</a:t>
-            </a:r>
-            <a:r>
-              <a:rPr lang="en-US" sz="2800" i="0" u="none" strike="noStrike" cap="none" dirty="0" err="1">
-                <a:solidFill>
                   <a:srgbClr val="FF00FF"/>
                 </a:solidFill>
                 <a:latin typeface="Courier"/>
@@ -8829,7 +8853,7 @@
                 <a:cs typeface="Courier"/>
                 <a:sym typeface="Courier New"/>
               </a:rPr>
-              <a:t>.startswith</a:t>
+              <a:t>startswith</a:t>
             </a:r>
             <a:r>
               <a:rPr lang="en-US" sz="2800" i="0" u="none" strike="noStrike" cap="none" dirty="0">
@@ -8911,7 +8935,7 @@
               <a:t>(</a:t>
             </a:r>
             <a:r>
-              <a:rPr lang="en-US" sz="2800" i="0" u="none" strike="noStrike" cap="none" dirty="0">
+              <a:rPr lang="el-GR" sz="2800" i="0" u="none" strike="noStrike" cap="none" dirty="0">
                 <a:solidFill>
                   <a:srgbClr val="00FF00"/>
                 </a:solidFill>
@@ -8920,7 +8944,7 @@
                 <a:cs typeface="Courier"/>
                 <a:sym typeface="Courier New"/>
               </a:rPr>
-              <a:t>line</a:t>
+              <a:t>γραμμή</a:t>
             </a:r>
             <a:r>
               <a:rPr lang="en-US" sz="2800" i="0" u="none" strike="noStrike" cap="none" dirty="0">
@@ -10562,7 +10586,7 @@
               <a:t> </a:t>
             </a:r>
             <a:r>
-              <a:rPr lang="en-US" sz="2400" i="0" u="none" strike="noStrike" cap="none" dirty="0">
+              <a:rPr lang="el-GR" sz="2400" i="0" u="none" strike="noStrike" cap="none" dirty="0">
                 <a:solidFill>
                   <a:srgbClr val="00FF00"/>
                 </a:solidFill>
@@ -10571,7 +10595,7 @@
                 <a:cs typeface="Courier"/>
                 <a:sym typeface="Courier New"/>
               </a:rPr>
-              <a:t>line</a:t>
+              <a:t>γραμμή</a:t>
             </a:r>
             <a:r>
               <a:rPr lang="en-US" sz="2400" i="0" u="none" strike="noStrike" cap="none" dirty="0">
@@ -10653,6 +10677,18 @@
               <a:buNone/>
             </a:pPr>
             <a:r>
+              <a:rPr lang="el-GR" sz="2400" dirty="0">
+                <a:solidFill>
+                  <a:schemeClr val="lt1"/>
+                </a:solidFill>
+                <a:latin typeface="Courier"/>
+                <a:ea typeface="Courier"/>
+                <a:cs typeface="Courier"/>
+                <a:sym typeface="Courier New"/>
+              </a:rPr>
+              <a:t>   </a:t>
+            </a:r>
+            <a:r>
               <a:rPr lang="en-US" sz="2400" dirty="0">
                 <a:solidFill>
                   <a:schemeClr val="lt1"/>
@@ -10662,11 +10698,35 @@
                 <a:cs typeface="Courier"/>
                 <a:sym typeface="Courier New"/>
               </a:rPr>
-              <a:t>    </a:t>
+              <a:t> </a:t>
+            </a:r>
+            <a:r>
+              <a:rPr lang="el-GR" sz="2400" i="0" u="none" strike="noStrike" cap="none" dirty="0">
+                <a:solidFill>
+                  <a:srgbClr val="00FF00"/>
+                </a:solidFill>
+                <a:latin typeface="Courier"/>
+                <a:ea typeface="Courier"/>
+                <a:cs typeface="Courier"/>
+                <a:sym typeface="Courier New"/>
+              </a:rPr>
+              <a:t>γραμμή</a:t>
             </a:r>
             <a:r>
               <a:rPr lang="en-US" sz="2400" i="0" u="none" strike="noStrike" cap="none" dirty="0">
                 <a:solidFill>
+                  <a:schemeClr val="lt1"/>
+                </a:solidFill>
+                <a:latin typeface="Courier"/>
+                <a:ea typeface="Courier"/>
+                <a:cs typeface="Courier"/>
+                <a:sym typeface="Courier New"/>
+              </a:rPr>
+              <a:t> = </a:t>
+            </a:r>
+            <a:r>
+              <a:rPr lang="el-GR" sz="2400" i="0" u="none" strike="noStrike" cap="none" dirty="0">
+                <a:solidFill>
                   <a:srgbClr val="00FF00"/>
                 </a:solidFill>
                 <a:latin typeface="Courier"/>
@@ -10674,35 +10734,23 @@
                 <a:cs typeface="Courier"/>
                 <a:sym typeface="Courier New"/>
               </a:rPr>
-              <a:t>line</a:t>
+              <a:t>γραμμή</a:t>
             </a:r>
             <a:r>
               <a:rPr lang="en-US" sz="2400" i="0" u="none" strike="noStrike" cap="none" dirty="0">
                 <a:solidFill>
-                  <a:schemeClr val="lt1"/>
-                </a:solidFill>
-                <a:latin typeface="Courier"/>
-                <a:ea typeface="Courier"/>
-                <a:cs typeface="Courier"/>
-                <a:sym typeface="Courier New"/>
-              </a:rPr>
-              <a:t> = </a:t>
+                  <a:srgbClr val="FF7F00"/>
+                </a:solidFill>
+                <a:latin typeface="Courier"/>
+                <a:ea typeface="Courier"/>
+                <a:cs typeface="Courier"/>
+                <a:sym typeface="Courier New"/>
+              </a:rPr>
+              <a:t>.</a:t>
             </a:r>
             <a:r>
               <a:rPr lang="en-US" sz="2400" i="0" u="none" strike="noStrike" cap="none" dirty="0" err="1">
                 <a:solidFill>
-                  <a:srgbClr val="00FF00"/>
-                </a:solidFill>
-                <a:latin typeface="Courier"/>
-                <a:ea typeface="Courier"/>
-                <a:cs typeface="Courier"/>
-                <a:sym typeface="Courier New"/>
-              </a:rPr>
-              <a:t>line</a:t>
-            </a:r>
-            <a:r>
-              <a:rPr lang="en-US" sz="2400" i="0" u="none" strike="noStrike" cap="none" dirty="0" err="1">
-                <a:solidFill>
                   <a:srgbClr val="FF7F00"/>
                 </a:solidFill>
                 <a:latin typeface="Courier"/>
@@ -10710,7 +10758,7 @@
                 <a:cs typeface="Courier"/>
                 <a:sym typeface="Courier New"/>
               </a:rPr>
-              <a:t>.rstrip</a:t>
+              <a:t>rstrip</a:t>
             </a:r>
             <a:r>
               <a:rPr lang="en-US" sz="2400" i="0" u="none" strike="noStrike" cap="none" dirty="0">
@@ -10780,20 +10828,32 @@
               <a:t> </a:t>
             </a:r>
             <a:r>
+              <a:rPr lang="el-GR" sz="2400" i="0" u="none" strike="noStrike" cap="none" dirty="0">
+                <a:solidFill>
+                  <a:srgbClr val="00FF00"/>
+                </a:solidFill>
+                <a:latin typeface="Courier"/>
+                <a:ea typeface="Courier"/>
+                <a:cs typeface="Courier"/>
+                <a:sym typeface="Courier New"/>
+              </a:rPr>
+              <a:t>γραμμή</a:t>
+            </a:r>
+            <a:r>
+              <a:rPr lang="en-US" sz="2400" i="0" u="none" strike="noStrike" cap="none" dirty="0">
+                <a:solidFill>
+                  <a:srgbClr val="FF00FF"/>
+                </a:solidFill>
+                <a:latin typeface="Courier"/>
+                <a:ea typeface="Courier"/>
+                <a:cs typeface="Courier"/>
+                <a:sym typeface="Courier New"/>
+              </a:rPr>
+              <a:t>.</a:t>
+            </a:r>
+            <a:r>
               <a:rPr lang="en-US" sz="2400" i="0" u="none" strike="noStrike" cap="none" dirty="0" err="1">
                 <a:solidFill>
-                  <a:srgbClr val="00FF00"/>
-                </a:solidFill>
-                <a:latin typeface="Courier"/>
-                <a:ea typeface="Courier"/>
-                <a:cs typeface="Courier"/>
-                <a:sym typeface="Courier New"/>
-              </a:rPr>
-              <a:t>line</a:t>
-            </a:r>
-            <a:r>
-              <a:rPr lang="en-US" sz="2400" i="0" u="none" strike="noStrike" cap="none" dirty="0" err="1">
-                <a:solidFill>
                   <a:srgbClr val="FF00FF"/>
                 </a:solidFill>
                 <a:latin typeface="Courier"/>
@@ -10801,7 +10861,7 @@
                 <a:cs typeface="Courier"/>
                 <a:sym typeface="Courier New"/>
               </a:rPr>
-              <a:t>.startswith</a:t>
+              <a:t>startswith</a:t>
             </a:r>
             <a:r>
               <a:rPr lang="en-US" sz="2400" i="0" u="none" strike="noStrike" cap="none" dirty="0">
@@ -10883,7 +10943,7 @@
               <a:t>(</a:t>
             </a:r>
             <a:r>
-              <a:rPr lang="en-US" sz="2400" i="0" u="none" strike="noStrike" cap="none" dirty="0">
+              <a:rPr lang="el-GR" sz="2400" i="0" u="none" strike="noStrike" cap="none" dirty="0">
                 <a:solidFill>
                   <a:srgbClr val="00FF00"/>
                 </a:solidFill>
@@ -10892,7 +10952,7 @@
                 <a:cs typeface="Courier"/>
                 <a:sym typeface="Courier New"/>
               </a:rPr>
-              <a:t>line</a:t>
+              <a:t>γραμμή</a:t>
             </a:r>
             <a:r>
               <a:rPr lang="en-US" sz="2400" i="0" u="none" strike="noStrike" cap="none" dirty="0">
@@ -11357,8 +11417,8 @@
         </p:nvSpPr>
         <p:spPr>
           <a:xfrm>
-            <a:off x="6857027" y="3253850"/>
-            <a:ext cx="8860199" cy="3324300"/>
+            <a:off x="6679769" y="3253850"/>
+            <a:ext cx="9037457" cy="3324300"/>
           </a:xfrm>
           <a:prstGeom prst="rect">
             <a:avLst/>
@@ -11507,7 +11567,7 @@
               <a:t> </a:t>
             </a:r>
             <a:r>
-              <a:rPr lang="en-US" sz="3000" i="0" u="none" strike="noStrike" cap="none" dirty="0">
+              <a:rPr lang="el-GR" sz="3000" i="0" u="none" strike="noStrike" cap="none" dirty="0">
                 <a:solidFill>
                   <a:srgbClr val="00FF00"/>
                 </a:solidFill>
@@ -11516,7 +11576,7 @@
                 <a:cs typeface="Courier"/>
                 <a:sym typeface="Courier New"/>
               </a:rPr>
-              <a:t>line</a:t>
+              <a:t>γραμμή</a:t>
             </a:r>
             <a:r>
               <a:rPr lang="en-US" sz="3000" i="0" u="none" strike="noStrike" cap="none" dirty="0">
@@ -11598,6 +11658,18 @@
               <a:buNone/>
             </a:pPr>
             <a:r>
+              <a:rPr lang="el-GR" sz="3000" i="0" u="none" strike="noStrike" cap="none" dirty="0">
+                <a:solidFill>
+                  <a:schemeClr val="lt1"/>
+                </a:solidFill>
+                <a:latin typeface="Courier"/>
+                <a:ea typeface="Courier"/>
+                <a:cs typeface="Courier"/>
+                <a:sym typeface="Courier New"/>
+              </a:rPr>
+              <a:t>   </a:t>
+            </a:r>
+            <a:r>
               <a:rPr lang="en-US" sz="3000" i="0" u="none" strike="noStrike" cap="none" dirty="0">
                 <a:solidFill>
                   <a:schemeClr val="lt1"/>
@@ -11607,11 +11679,35 @@
                 <a:cs typeface="Courier"/>
                 <a:sym typeface="Courier New"/>
               </a:rPr>
-              <a:t>    </a:t>
+              <a:t> </a:t>
+            </a:r>
+            <a:r>
+              <a:rPr lang="el-GR" sz="3000" i="0" u="none" strike="noStrike" cap="none" dirty="0">
+                <a:solidFill>
+                  <a:srgbClr val="00FF00"/>
+                </a:solidFill>
+                <a:latin typeface="Courier"/>
+                <a:ea typeface="Courier"/>
+                <a:cs typeface="Courier"/>
+                <a:sym typeface="Courier New"/>
+              </a:rPr>
+              <a:t>γραμμή</a:t>
             </a:r>
             <a:r>
               <a:rPr lang="en-US" sz="3000" i="0" u="none" strike="noStrike" cap="none" dirty="0">
                 <a:solidFill>
+                  <a:schemeClr val="lt1"/>
+                </a:solidFill>
+                <a:latin typeface="Courier"/>
+                <a:ea typeface="Courier"/>
+                <a:cs typeface="Courier"/>
+                <a:sym typeface="Courier New"/>
+              </a:rPr>
+              <a:t> = </a:t>
+            </a:r>
+            <a:r>
+              <a:rPr lang="el-GR" sz="3000" i="0" u="none" strike="noStrike" cap="none" dirty="0">
+                <a:solidFill>
                   <a:srgbClr val="00FF00"/>
                 </a:solidFill>
                 <a:latin typeface="Courier"/>
@@ -11619,35 +11715,23 @@
                 <a:cs typeface="Courier"/>
                 <a:sym typeface="Courier New"/>
               </a:rPr>
-              <a:t>line</a:t>
+              <a:t>γραμμή</a:t>
             </a:r>
             <a:r>
               <a:rPr lang="en-US" sz="3000" i="0" u="none" strike="noStrike" cap="none" dirty="0">
                 <a:solidFill>
-                  <a:schemeClr val="lt1"/>
-                </a:solidFill>
-                <a:latin typeface="Courier"/>
-                <a:ea typeface="Courier"/>
-                <a:cs typeface="Courier"/>
-                <a:sym typeface="Courier New"/>
-              </a:rPr>
-              <a:t> = </a:t>
+                  <a:srgbClr val="FF00FF"/>
+                </a:solidFill>
+                <a:latin typeface="Courier"/>
+                <a:ea typeface="Courier"/>
+                <a:cs typeface="Courier"/>
+                <a:sym typeface="Courier New"/>
+              </a:rPr>
+              <a:t>.</a:t>
             </a:r>
             <a:r>
               <a:rPr lang="en-US" sz="3000" i="0" u="none" strike="noStrike" cap="none" dirty="0" err="1">
                 <a:solidFill>
-                  <a:srgbClr val="00FF00"/>
-                </a:solidFill>
-                <a:latin typeface="Courier"/>
-                <a:ea typeface="Courier"/>
-                <a:cs typeface="Courier"/>
-                <a:sym typeface="Courier New"/>
-              </a:rPr>
-              <a:t>line</a:t>
-            </a:r>
-            <a:r>
-              <a:rPr lang="en-US" sz="3000" i="0" u="none" strike="noStrike" cap="none" dirty="0" err="1">
-                <a:solidFill>
                   <a:srgbClr val="FF00FF"/>
                 </a:solidFill>
                 <a:latin typeface="Courier"/>
@@ -11655,7 +11739,7 @@
                 <a:cs typeface="Courier"/>
                 <a:sym typeface="Courier New"/>
               </a:rPr>
-              <a:t>.rstrip</a:t>
+              <a:t>rstrip</a:t>
             </a:r>
             <a:r>
               <a:rPr lang="en-US" sz="3000" i="0" u="none" strike="noStrike" cap="none" dirty="0">
@@ -11749,20 +11833,32 @@
               <a:t> </a:t>
             </a:r>
             <a:r>
+              <a:rPr lang="el-GR" sz="3000" i="0" u="none" strike="noStrike" cap="none" dirty="0">
+                <a:solidFill>
+                  <a:srgbClr val="00FF00"/>
+                </a:solidFill>
+                <a:latin typeface="Courier"/>
+                <a:ea typeface="Courier"/>
+                <a:cs typeface="Courier"/>
+                <a:sym typeface="Courier New"/>
+              </a:rPr>
+              <a:t>γραμμή</a:t>
+            </a:r>
+            <a:r>
+              <a:rPr lang="en-US" sz="3000" i="0" u="none" strike="noStrike" cap="none" dirty="0">
+                <a:solidFill>
+                  <a:srgbClr val="FF00FF"/>
+                </a:solidFill>
+                <a:latin typeface="Courier"/>
+                <a:ea typeface="Courier"/>
+                <a:cs typeface="Courier"/>
+                <a:sym typeface="Courier New"/>
+              </a:rPr>
+              <a:t>.</a:t>
+            </a:r>
+            <a:r>
               <a:rPr lang="en-US" sz="3000" i="0" u="none" strike="noStrike" cap="none" dirty="0" err="1">
                 <a:solidFill>
-                  <a:srgbClr val="00FF00"/>
-                </a:solidFill>
-                <a:latin typeface="Courier"/>
-                <a:ea typeface="Courier"/>
-                <a:cs typeface="Courier"/>
-                <a:sym typeface="Courier New"/>
-              </a:rPr>
-              <a:t>line</a:t>
-            </a:r>
-            <a:r>
-              <a:rPr lang="en-US" sz="3000" i="0" u="none" strike="noStrike" cap="none" dirty="0" err="1">
-                <a:solidFill>
                   <a:srgbClr val="FF00FF"/>
                 </a:solidFill>
                 <a:latin typeface="Courier"/>
@@ -11770,7 +11866,7 @@
                 <a:cs typeface="Courier"/>
                 <a:sym typeface="Courier New"/>
               </a:rPr>
-              <a:t>.startswith</a:t>
+              <a:t>startswith</a:t>
             </a:r>
             <a:r>
               <a:rPr lang="en-US" sz="3000" i="0" u="none" strike="noStrike" cap="none" dirty="0">
@@ -11884,7 +11980,7 @@
               <a:t>(</a:t>
             </a:r>
             <a:r>
-              <a:rPr lang="en-US" sz="3000" i="0" u="none" strike="noStrike" cap="none" dirty="0">
+              <a:rPr lang="el-GR" sz="3000" i="0" u="none" strike="noStrike" cap="none" dirty="0">
                 <a:solidFill>
                   <a:srgbClr val="00FF00"/>
                 </a:solidFill>
@@ -11893,7 +11989,7 @@
                 <a:cs typeface="Courier"/>
                 <a:sym typeface="Courier New"/>
               </a:rPr>
-              <a:t>line</a:t>
+              <a:t>γραμμή</a:t>
             </a:r>
             <a:r>
               <a:rPr lang="en-US" sz="3000" dirty="0">
@@ -13440,7 +13536,7 @@
               <a:t> </a:t>
             </a:r>
             <a:r>
-              <a:rPr lang="en-US" sz="2400" i="0" u="none" strike="noStrike" cap="none" dirty="0">
+              <a:rPr lang="el-GR" sz="2400" i="0" u="none" strike="noStrike" cap="none" dirty="0">
                 <a:solidFill>
                   <a:srgbClr val="00FF00"/>
                 </a:solidFill>
@@ -13449,7 +13545,7 @@
                 <a:cs typeface="Courier"/>
                 <a:sym typeface="Courier New"/>
               </a:rPr>
-              <a:t>line</a:t>
+              <a:t>γραμμή</a:t>
             </a:r>
             <a:r>
               <a:rPr lang="en-US" sz="2400" i="0" u="none" strike="noStrike" cap="none" dirty="0">
@@ -13543,8 +13639,32 @@
               <a:t>    </a:t>
             </a:r>
             <a:r>
+              <a:rPr lang="el-GR" sz="2400" i="0" u="none" strike="noStrike" cap="none" dirty="0">
+                <a:solidFill>
+                  <a:srgbClr val="00FF00"/>
+                </a:solidFill>
+                <a:latin typeface="Courier"/>
+                <a:ea typeface="Courier"/>
+                <a:cs typeface="Courier"/>
+                <a:sym typeface="Courier New"/>
+              </a:rPr>
+              <a:t>γραμμή</a:t>
+            </a:r>
+            <a:r>
               <a:rPr lang="en-US" sz="2400" i="0" u="none" strike="noStrike" cap="none" dirty="0">
                 <a:solidFill>
+                  <a:schemeClr val="lt1"/>
+                </a:solidFill>
+                <a:latin typeface="Courier"/>
+                <a:ea typeface="Courier"/>
+                <a:cs typeface="Courier"/>
+                <a:sym typeface="Courier New"/>
+              </a:rPr>
+              <a:t> = </a:t>
+            </a:r>
+            <a:r>
+              <a:rPr lang="el-GR" sz="2400" i="0" u="none" strike="noStrike" cap="none" dirty="0">
+                <a:solidFill>
                   <a:srgbClr val="00FF00"/>
                 </a:solidFill>
                 <a:latin typeface="Courier"/>
@@ -13552,35 +13672,23 @@
                 <a:cs typeface="Courier"/>
                 <a:sym typeface="Courier New"/>
               </a:rPr>
-              <a:t>line</a:t>
+              <a:t>γραμμή</a:t>
             </a:r>
             <a:r>
               <a:rPr lang="en-US" sz="2400" i="0" u="none" strike="noStrike" cap="none" dirty="0">
                 <a:solidFill>
-                  <a:schemeClr val="lt1"/>
-                </a:solidFill>
-                <a:latin typeface="Courier"/>
-                <a:ea typeface="Courier"/>
-                <a:cs typeface="Courier"/>
-                <a:sym typeface="Courier New"/>
-              </a:rPr>
-              <a:t> = </a:t>
+                  <a:srgbClr val="FF00FF"/>
+                </a:solidFill>
+                <a:latin typeface="Courier"/>
+                <a:ea typeface="Courier"/>
+                <a:cs typeface="Courier"/>
+                <a:sym typeface="Courier New"/>
+              </a:rPr>
+              <a:t>.</a:t>
             </a:r>
             <a:r>
               <a:rPr lang="en-US" sz="2400" i="0" u="none" strike="noStrike" cap="none" dirty="0" err="1">
                 <a:solidFill>
-                  <a:srgbClr val="00FF00"/>
-                </a:solidFill>
-                <a:latin typeface="Courier"/>
-                <a:ea typeface="Courier"/>
-                <a:cs typeface="Courier"/>
-                <a:sym typeface="Courier New"/>
-              </a:rPr>
-              <a:t>line</a:t>
-            </a:r>
-            <a:r>
-              <a:rPr lang="en-US" sz="2400" i="0" u="none" strike="noStrike" cap="none" dirty="0" err="1">
-                <a:solidFill>
                   <a:srgbClr val="FF00FF"/>
                 </a:solidFill>
                 <a:latin typeface="Courier"/>
@@ -13588,7 +13696,7 @@
                 <a:cs typeface="Courier"/>
                 <a:sym typeface="Courier New"/>
               </a:rPr>
-              <a:t>.rstrip</a:t>
+              <a:t>rstrip</a:t>
             </a:r>
             <a:r>
               <a:rPr lang="en-US" sz="2400" i="0" u="none" strike="noStrike" cap="none" dirty="0">
@@ -13691,10 +13799,46 @@
                 <a:cs typeface="Courier"/>
                 <a:sym typeface="Courier New"/>
               </a:rPr>
-              <a:t>@</a:t>
-            </a:r>
-            <a:r>
-              <a:rPr lang="en-US" sz="2400" i="0" u="none" strike="noStrike" cap="none" dirty="0" err="1">
+              <a:t>@uct.ac.za</a:t>
+            </a:r>
+            <a:r>
+              <a:rPr lang="en-US" sz="2400" i="0" u="none" strike="noStrike" cap="none" dirty="0">
+                <a:solidFill>
+                  <a:schemeClr val="lt1"/>
+                </a:solidFill>
+                <a:latin typeface="Courier"/>
+                <a:ea typeface="Courier"/>
+                <a:cs typeface="Courier"/>
+                <a:sym typeface="Courier New"/>
+              </a:rPr>
+              <a:t>' </a:t>
+            </a:r>
+            <a:r>
+              <a:rPr lang="en-US" sz="2400" i="0" u="none" strike="noStrike" cap="none" dirty="0">
+                <a:solidFill>
+                  <a:srgbClr val="FFFF00"/>
+                </a:solidFill>
+                <a:latin typeface="Courier"/>
+                <a:ea typeface="Courier"/>
+                <a:cs typeface="Courier"/>
+                <a:sym typeface="Courier New"/>
+              </a:rPr>
+              <a:t>in</a:t>
+            </a:r>
+            <a:r>
+              <a:rPr lang="en-US" sz="2400" i="0" u="none" strike="noStrike" cap="none" dirty="0">
+                <a:solidFill>
+                  <a:schemeClr val="lt1"/>
+                </a:solidFill>
+                <a:latin typeface="Courier"/>
+                <a:ea typeface="Courier"/>
+                <a:cs typeface="Courier"/>
+                <a:sym typeface="Courier New"/>
+              </a:rPr>
+              <a:t> </a:t>
+            </a:r>
+            <a:r>
+              <a:rPr lang="el-GR" sz="2400" i="0" u="none" strike="noStrike" cap="none" dirty="0">
                 <a:solidFill>
                   <a:srgbClr val="00FFFF"/>
                 </a:solidFill>
@@ -13703,55 +13847,7 @@
                 <a:cs typeface="Courier"/>
                 <a:sym typeface="Courier New"/>
               </a:rPr>
-              <a:t>uct.ac.za</a:t>
-            </a:r>
-            <a:r>
-              <a:rPr lang="en-US" sz="2400" i="0" u="none" strike="noStrike" cap="none" dirty="0">
-                <a:solidFill>
-                  <a:schemeClr val="lt1"/>
-                </a:solidFill>
-                <a:latin typeface="Courier"/>
-                <a:ea typeface="Courier"/>
-                <a:cs typeface="Courier"/>
-                <a:sym typeface="Courier New"/>
-              </a:rPr>
-              <a:t>' </a:t>
-            </a:r>
-            <a:r>
-              <a:rPr lang="en-US" sz="2400" i="0" u="none" strike="noStrike" cap="none" dirty="0">
-                <a:solidFill>
-                  <a:srgbClr val="FFFF00"/>
-                </a:solidFill>
-                <a:latin typeface="Courier"/>
-                <a:ea typeface="Courier"/>
-                <a:cs typeface="Courier"/>
-                <a:sym typeface="Courier New"/>
-              </a:rPr>
-              <a:t>in</a:t>
-            </a:r>
-            <a:r>
-              <a:rPr lang="en-US" sz="2400" i="0" u="none" strike="noStrike" cap="none" dirty="0">
-                <a:solidFill>
-                  <a:schemeClr val="lt1"/>
-                </a:solidFill>
-                <a:latin typeface="Courier"/>
-                <a:ea typeface="Courier"/>
-                <a:cs typeface="Courier"/>
-                <a:sym typeface="Courier New"/>
-              </a:rPr>
-              <a:t> </a:t>
-            </a:r>
-            <a:r>
-              <a:rPr lang="en-US" sz="2400" i="0" u="none" strike="noStrike" cap="none" dirty="0">
-                <a:solidFill>
-                  <a:srgbClr val="00FFFF"/>
-                </a:solidFill>
-                <a:latin typeface="Courier"/>
-                <a:ea typeface="Courier"/>
-                <a:cs typeface="Courier"/>
-                <a:sym typeface="Courier New"/>
-              </a:rPr>
-              <a:t>line</a:t>
+              <a:t>γραμμή</a:t>
             </a:r>
             <a:r>
               <a:rPr lang="en-US" sz="2400" i="0" u="none" strike="noStrike" cap="none" dirty="0">
@@ -13853,7 +13949,7 @@
               <a:t>(</a:t>
             </a:r>
             <a:r>
-              <a:rPr lang="en-US" sz="2400" i="0" u="none" strike="noStrike" cap="none" dirty="0">
+              <a:rPr lang="el-GR" sz="2400" i="0" u="none" strike="noStrike" cap="none" dirty="0">
                 <a:solidFill>
                   <a:srgbClr val="00FF00"/>
                 </a:solidFill>
@@ -13862,7 +13958,7 @@
                 <a:cs typeface="Courier"/>
                 <a:sym typeface="Courier New"/>
               </a:rPr>
-              <a:t>line</a:t>
+              <a:t>γραμμή</a:t>
             </a:r>
             <a:r>
               <a:rPr lang="en-US" sz="2400" dirty="0">
@@ -14333,7 +14429,7 @@
         </p:nvSpPr>
         <p:spPr>
           <a:xfrm>
-            <a:off x="10545756" y="1196478"/>
+            <a:off x="10964210" y="1184088"/>
             <a:ext cx="5100737" cy="1750191"/>
           </a:xfrm>
           <a:prstGeom prst="rect">
@@ -14399,8 +14495,8 @@
         </p:nvSpPr>
         <p:spPr>
           <a:xfrm>
-            <a:off x="800975" y="773101"/>
-            <a:ext cx="10186113" cy="3398850"/>
+            <a:off x="444514" y="807005"/>
+            <a:ext cx="11039730" cy="3398850"/>
           </a:xfrm>
           <a:prstGeom prst="rect">
             <a:avLst/>
@@ -14434,7 +14530,7 @@
               <a:buNone/>
             </a:pPr>
             <a:r>
-              <a:rPr lang="en-US" sz="2400" i="0" u="none" strike="noStrike" cap="none" dirty="0" err="1">
+              <a:rPr lang="el-GR" sz="2400" i="0" u="none" strike="noStrike" cap="none" dirty="0" err="1">
                 <a:solidFill>
                   <a:srgbClr val="00FF00"/>
                 </a:solidFill>
@@ -14443,7 +14539,7 @@
                 <a:cs typeface="Courier"/>
                 <a:sym typeface="Courier New"/>
               </a:rPr>
-              <a:t>fname</a:t>
+              <a:t>ον_αρχείου</a:t>
             </a:r>
             <a:r>
               <a:rPr lang="en-US" sz="2400" i="0" u="none" strike="noStrike" cap="none" dirty="0">
@@ -14479,7 +14575,7 @@
                 <a:cs typeface="Courier"/>
                 <a:sym typeface="Courier New"/>
               </a:rPr>
-              <a:t>(‘</a:t>
+              <a:t>('</a:t>
             </a:r>
             <a:r>
               <a:rPr lang="el-GR" sz="2400" i="0" u="none" strike="noStrike" cap="none" dirty="0">
@@ -14573,7 +14669,7 @@
               <a:t>(</a:t>
             </a:r>
             <a:r>
-              <a:rPr lang="en-US" sz="2400" i="0" u="none" strike="noStrike" cap="none" dirty="0" err="1">
+              <a:rPr lang="el-GR" sz="2400" i="0" u="none" strike="noStrike" cap="none" dirty="0" err="1">
                 <a:solidFill>
                   <a:srgbClr val="00FF00"/>
                 </a:solidFill>
@@ -14582,7 +14678,7 @@
                 <a:cs typeface="Courier"/>
                 <a:sym typeface="Courier New"/>
               </a:rPr>
-              <a:t>fname</a:t>
+              <a:t>ον_αρχείου</a:t>
             </a:r>
             <a:r>
               <a:rPr lang="en-US" sz="2400" i="0" u="none" strike="noStrike" cap="none" dirty="0">
@@ -14616,7 +14712,7 @@
               <a:buNone/>
             </a:pPr>
             <a:r>
-              <a:rPr lang="en-US" sz="2400" i="0" u="none" strike="noStrike" cap="none" dirty="0">
+              <a:rPr lang="el-GR" sz="2400" i="0" u="none" strike="noStrike" cap="none" dirty="0">
                 <a:solidFill>
                   <a:srgbClr val="00FF00"/>
                 </a:solidFill>
@@ -14625,7 +14721,7 @@
                 <a:cs typeface="Courier"/>
                 <a:sym typeface="Courier New"/>
               </a:rPr>
-              <a:t>count</a:t>
+              <a:t>πλήθος</a:t>
             </a:r>
             <a:r>
               <a:rPr lang="en-US" sz="2400" i="0" u="none" strike="noStrike" cap="none" dirty="0">
@@ -14877,8 +14973,32 @@
               <a:t>        </a:t>
             </a:r>
             <a:r>
+              <a:rPr lang="el-GR" sz="2400" i="0" u="none" strike="noStrike" cap="none" dirty="0">
+                <a:solidFill>
+                  <a:srgbClr val="00FF00"/>
+                </a:solidFill>
+                <a:latin typeface="Courier"/>
+                <a:ea typeface="Courier"/>
+                <a:cs typeface="Courier"/>
+                <a:sym typeface="Courier New"/>
+              </a:rPr>
+              <a:t>πλήθος</a:t>
+            </a:r>
+            <a:r>
               <a:rPr lang="en-US" sz="2400" i="0" u="none" strike="noStrike" cap="none" dirty="0">
                 <a:solidFill>
+                  <a:schemeClr val="lt1"/>
+                </a:solidFill>
+                <a:latin typeface="Courier"/>
+                <a:ea typeface="Courier"/>
+                <a:cs typeface="Courier"/>
+                <a:sym typeface="Courier New"/>
+              </a:rPr>
+              <a:t> = </a:t>
+            </a:r>
+            <a:r>
+              <a:rPr lang="el-GR" sz="2400" i="0" u="none" strike="noStrike" cap="none" dirty="0">
+                <a:solidFill>
                   <a:srgbClr val="00FF00"/>
                 </a:solidFill>
                 <a:latin typeface="Courier"/>
@@ -14886,31 +15006,7 @@
                 <a:cs typeface="Courier"/>
                 <a:sym typeface="Courier New"/>
               </a:rPr>
-              <a:t>count</a:t>
-            </a:r>
-            <a:r>
-              <a:rPr lang="en-US" sz="2400" i="0" u="none" strike="noStrike" cap="none" dirty="0">
-                <a:solidFill>
-                  <a:schemeClr val="lt1"/>
-                </a:solidFill>
-                <a:latin typeface="Courier"/>
-                <a:ea typeface="Courier"/>
-                <a:cs typeface="Courier"/>
-                <a:sym typeface="Courier New"/>
-              </a:rPr>
-              <a:t> = </a:t>
-            </a:r>
-            <a:r>
-              <a:rPr lang="en-US" sz="2400" i="0" u="none" strike="noStrike" cap="none" dirty="0">
-                <a:solidFill>
-                  <a:srgbClr val="00FF00"/>
-                </a:solidFill>
-                <a:latin typeface="Courier"/>
-                <a:ea typeface="Courier"/>
-                <a:cs typeface="Courier"/>
-                <a:sym typeface="Courier New"/>
-              </a:rPr>
-              <a:t>count</a:t>
+              <a:t>πλήθος</a:t>
             </a:r>
             <a:r>
               <a:rPr lang="en-US" sz="2400" i="0" u="none" strike="noStrike" cap="none" dirty="0">
@@ -14977,7 +15073,7 @@
                 <a:cs typeface="Courier"/>
                 <a:sym typeface="Courier New"/>
               </a:rPr>
-              <a:t>‘</a:t>
+              <a:t>'</a:t>
             </a:r>
             <a:r>
               <a:rPr lang="el-GR" sz="2400" i="0" u="none" strike="noStrike" cap="none" dirty="0">
@@ -15004,16 +15100,40 @@
               <a:t>', </a:t>
             </a:r>
             <a:r>
+              <a:rPr lang="el-GR" sz="2400" i="0" u="none" strike="noStrike" cap="none" dirty="0">
+                <a:solidFill>
+                  <a:srgbClr val="00FF00"/>
+                </a:solidFill>
+                <a:latin typeface="Courier"/>
+                <a:ea typeface="Courier"/>
+                <a:cs typeface="Courier"/>
+                <a:sym typeface="Courier New"/>
+              </a:rPr>
+              <a:t>πλήθος</a:t>
+            </a:r>
+            <a:r>
               <a:rPr lang="en-US" sz="2400" i="0" u="none" strike="noStrike" cap="none" dirty="0">
                 <a:solidFill>
-                  <a:srgbClr val="00FF00"/>
-                </a:solidFill>
-                <a:latin typeface="Courier"/>
-                <a:ea typeface="Courier"/>
-                <a:cs typeface="Courier"/>
-                <a:sym typeface="Courier New"/>
-              </a:rPr>
-              <a:t>count</a:t>
+                  <a:schemeClr val="lt1"/>
+                </a:solidFill>
+                <a:latin typeface="Courier"/>
+                <a:ea typeface="Courier"/>
+                <a:cs typeface="Courier"/>
+                <a:sym typeface="Courier New"/>
+              </a:rPr>
+              <a:t>, '</a:t>
+            </a:r>
+            <a:r>
+              <a:rPr lang="el-GR" sz="2400" i="0" u="none" strike="noStrike" cap="none" dirty="0">
+                <a:solidFill>
+                  <a:schemeClr val="lt1"/>
+                </a:solidFill>
+                <a:latin typeface="Courier"/>
+                <a:ea typeface="Courier"/>
+                <a:cs typeface="Courier"/>
+                <a:sym typeface="Courier New"/>
+              </a:rPr>
+              <a:t>γραμμές </a:t>
             </a:r>
             <a:r>
               <a:rPr lang="en-US" sz="2400" i="0" u="none" strike="noStrike" cap="none" dirty="0">
@@ -15025,7 +15145,7 @@
                 <a:cs typeface="Courier"/>
                 <a:sym typeface="Courier New"/>
               </a:rPr>
-              <a:t>, ‘</a:t>
+              <a:t>subject </a:t>
             </a:r>
             <a:r>
               <a:rPr lang="el-GR" sz="2400" i="0" u="none" strike="noStrike" cap="none" dirty="0">
@@ -15037,7 +15157,7 @@
                 <a:cs typeface="Courier"/>
                 <a:sym typeface="Courier New"/>
               </a:rPr>
-              <a:t>γραμμές </a:t>
+              <a:t>στο</a:t>
             </a:r>
             <a:r>
               <a:rPr lang="en-US" sz="2400" i="0" u="none" strike="noStrike" cap="none" dirty="0">
@@ -15049,43 +15169,19 @@
                 <a:cs typeface="Courier"/>
                 <a:sym typeface="Courier New"/>
               </a:rPr>
-              <a:t>subject </a:t>
-            </a:r>
-            <a:r>
-              <a:rPr lang="el-GR" sz="2400" i="0" u="none" strike="noStrike" cap="none" dirty="0">
-                <a:solidFill>
-                  <a:schemeClr val="lt1"/>
-                </a:solidFill>
-                <a:latin typeface="Courier"/>
-                <a:ea typeface="Courier"/>
-                <a:cs typeface="Courier"/>
-                <a:sym typeface="Courier New"/>
-              </a:rPr>
-              <a:t>στο</a:t>
-            </a:r>
-            <a:r>
-              <a:rPr lang="en-US" sz="2400" i="0" u="none" strike="noStrike" cap="none" dirty="0">
-                <a:solidFill>
-                  <a:schemeClr val="lt1"/>
-                </a:solidFill>
-                <a:latin typeface="Courier"/>
-                <a:ea typeface="Courier"/>
-                <a:cs typeface="Courier"/>
-                <a:sym typeface="Courier New"/>
-              </a:rPr>
               <a:t>', </a:t>
             </a:r>
             <a:r>
-              <a:rPr lang="en-US" sz="2400" i="0" u="none" strike="noStrike" cap="none" dirty="0" err="1">
-                <a:solidFill>
-                  <a:schemeClr val="lt1"/>
-                </a:solidFill>
-                <a:latin typeface="Courier"/>
-                <a:ea typeface="Courier"/>
-                <a:cs typeface="Courier"/>
-                <a:sym typeface="Courier New"/>
-              </a:rPr>
-              <a:t>fname</a:t>
+              <a:rPr lang="el-GR" sz="2400" i="0" u="none" strike="noStrike" cap="none" dirty="0" err="1">
+                <a:solidFill>
+                  <a:schemeClr val="lt1"/>
+                </a:solidFill>
+                <a:latin typeface="Courier"/>
+                <a:ea typeface="Courier"/>
+                <a:cs typeface="Courier"/>
+                <a:sym typeface="Courier New"/>
+              </a:rPr>
+              <a:t>ον_αρχείου</a:t>
             </a:r>
             <a:r>
               <a:rPr lang="en-US" sz="2400" i="0" u="none" strike="noStrike" cap="none" dirty="0">
@@ -15470,7 +15566,9 @@
       <p:cxnSp>
         <p:nvCxnSpPr>
           <p:cNvPr id="358" name="Shape 358"/>
-          <p:cNvCxnSpPr/>
+          <p:cNvCxnSpPr>
+            <a:cxnSpLocks/>
+          </p:cNvCxnSpPr>
           <p:nvPr/>
         </p:nvCxnSpPr>
         <p:spPr>
@@ -15622,8 +15720,8 @@
         </p:nvSpPr>
         <p:spPr>
           <a:xfrm>
-            <a:off x="5284922" y="887400"/>
-            <a:ext cx="10501716" cy="4735800"/>
+            <a:off x="4990453" y="887400"/>
+            <a:ext cx="11019295" cy="4735800"/>
           </a:xfrm>
           <a:prstGeom prst="rect">
             <a:avLst/>
@@ -15663,7 +15761,7 @@
               <a:buNone/>
             </a:pPr>
             <a:r>
-              <a:rPr lang="en-US" sz="2400" dirty="0">
+              <a:rPr lang="en-US" sz="2200" dirty="0">
                 <a:solidFill>
                   <a:srgbClr val="00FF00"/>
                 </a:solidFill>
@@ -15675,7 +15773,7 @@
               <a:t>  </a:t>
             </a:r>
             <a:r>
-              <a:rPr lang="en-US" sz="2400" i="0" u="none" strike="noStrike" cap="none" dirty="0" err="1">
+              <a:rPr lang="el-GR" sz="2200" i="0" u="none" strike="noStrike" cap="none" dirty="0" err="1">
                 <a:solidFill>
                   <a:srgbClr val="00FF00"/>
                 </a:solidFill>
@@ -15684,10 +15782,10 @@
                 <a:cs typeface="Courier"/>
                 <a:sym typeface="Courier New"/>
               </a:rPr>
-              <a:t>fname</a:t>
-            </a:r>
-            <a:r>
-              <a:rPr lang="en-US" sz="2400" i="0" u="none" strike="noStrike" cap="none" dirty="0">
+              <a:t>ον_αρχείου</a:t>
+            </a:r>
+            <a:r>
+              <a:rPr lang="en-US" sz="2200" i="0" u="none" strike="noStrike" cap="none" dirty="0">
                 <a:solidFill>
                   <a:schemeClr val="lt1"/>
                 </a:solidFill>
@@ -15699,7 +15797,7 @@
               <a:t> = </a:t>
             </a:r>
             <a:r>
-              <a:rPr lang="en-US" sz="2400" i="0" u="none" strike="noStrike" cap="none" dirty="0">
+              <a:rPr lang="en-US" sz="2200" i="0" u="none" strike="noStrike" cap="none" dirty="0">
                 <a:solidFill>
                   <a:srgbClr val="FF00FF"/>
                 </a:solidFill>
@@ -15711,19 +15809,19 @@
               <a:t>input</a:t>
             </a:r>
             <a:r>
-              <a:rPr lang="en-US" sz="2400" i="0" u="none" strike="noStrike" cap="none" dirty="0">
-                <a:solidFill>
-                  <a:schemeClr val="lt1"/>
-                </a:solidFill>
-                <a:latin typeface="Courier"/>
-                <a:ea typeface="Courier"/>
-                <a:cs typeface="Courier"/>
-                <a:sym typeface="Courier New"/>
-              </a:rPr>
-              <a:t>(‘</a:t>
-            </a:r>
-            <a:r>
-              <a:rPr lang="el-GR" sz="2400" i="0" u="none" strike="noStrike" cap="none" dirty="0">
+              <a:rPr lang="en-US" sz="2200" i="0" u="none" strike="noStrike" cap="none" dirty="0">
+                <a:solidFill>
+                  <a:schemeClr val="lt1"/>
+                </a:solidFill>
+                <a:latin typeface="Courier"/>
+                <a:ea typeface="Courier"/>
+                <a:cs typeface="Courier"/>
+                <a:sym typeface="Courier New"/>
+              </a:rPr>
+              <a:t>('</a:t>
+            </a:r>
+            <a:r>
+              <a:rPr lang="el-GR" sz="2200" i="0" u="none" strike="noStrike" cap="none" dirty="0">
                 <a:solidFill>
                   <a:schemeClr val="lt1"/>
                 </a:solidFill>
@@ -15735,7 +15833,7 @@
               <a:t>Δώστε το όνομα του αρχείου</a:t>
             </a:r>
             <a:r>
-              <a:rPr lang="en-US" sz="2400" i="0" u="none" strike="noStrike" cap="none" dirty="0">
+              <a:rPr lang="en-US" sz="2200" i="0" u="none" strike="noStrike" cap="none" dirty="0">
                 <a:solidFill>
                   <a:schemeClr val="lt1"/>
                 </a:solidFill>
@@ -15766,7 +15864,7 @@
               <a:buNone/>
             </a:pPr>
             <a:r>
-              <a:rPr lang="en-US" sz="2400" dirty="0">
+              <a:rPr lang="en-US" sz="2200" dirty="0">
                 <a:solidFill>
                   <a:srgbClr val="FFFF00"/>
                 </a:solidFill>
@@ -15778,7 +15876,7 @@
               <a:t>  </a:t>
             </a:r>
             <a:r>
-              <a:rPr lang="en-US" sz="2400" i="0" u="none" strike="noStrike" cap="none" dirty="0">
+              <a:rPr lang="en-US" sz="2200" i="0" u="none" strike="noStrike" cap="none" dirty="0">
                 <a:solidFill>
                   <a:srgbClr val="FFFF00"/>
                 </a:solidFill>
@@ -15790,7 +15888,7 @@
               <a:t>try</a:t>
             </a:r>
             <a:r>
-              <a:rPr lang="en-US" sz="2400" i="0" u="none" strike="noStrike" cap="none" dirty="0">
+              <a:rPr lang="en-US" sz="2200" i="0" u="none" strike="noStrike" cap="none" dirty="0">
                 <a:solidFill>
                   <a:schemeClr val="lt1"/>
                 </a:solidFill>
@@ -15821,7 +15919,7 @@
               <a:buNone/>
             </a:pPr>
             <a:r>
-              <a:rPr lang="en-US" sz="2400" i="0" u="none" strike="noStrike" cap="none" dirty="0">
+              <a:rPr lang="en-US" sz="2200" i="0" u="none" strike="noStrike" cap="none" dirty="0">
                 <a:solidFill>
                   <a:schemeClr val="lt1"/>
                 </a:solidFill>
@@ -15833,7 +15931,7 @@
               <a:t>      </a:t>
             </a:r>
             <a:r>
-              <a:rPr lang="en-US" sz="2400" i="0" u="none" strike="noStrike" cap="none" dirty="0" err="1">
+              <a:rPr lang="en-US" sz="2200" i="0" u="none" strike="noStrike" cap="none" dirty="0" err="1">
                 <a:solidFill>
                   <a:srgbClr val="00FF00"/>
                 </a:solidFill>
@@ -15845,7 +15943,7 @@
               <a:t>fhand</a:t>
             </a:r>
             <a:r>
-              <a:rPr lang="en-US" sz="2400" i="0" u="none" strike="noStrike" cap="none" dirty="0">
+              <a:rPr lang="en-US" sz="2200" i="0" u="none" strike="noStrike" cap="none" dirty="0">
                 <a:solidFill>
                   <a:schemeClr val="lt1"/>
                 </a:solidFill>
@@ -15857,7 +15955,7 @@
               <a:t> = </a:t>
             </a:r>
             <a:r>
-              <a:rPr lang="en-US" sz="2400" i="0" u="none" strike="noStrike" cap="none" dirty="0">
+              <a:rPr lang="en-US" sz="2200" i="0" u="none" strike="noStrike" cap="none" dirty="0">
                 <a:solidFill>
                   <a:srgbClr val="FF00FF"/>
                 </a:solidFill>
@@ -15869,7 +15967,7 @@
               <a:t>open</a:t>
             </a:r>
             <a:r>
-              <a:rPr lang="en-US" sz="2400" i="0" u="none" strike="noStrike" cap="none" dirty="0">
+              <a:rPr lang="en-US" sz="2200" i="0" u="none" strike="noStrike" cap="none" dirty="0">
                 <a:solidFill>
                   <a:schemeClr val="lt1"/>
                 </a:solidFill>
@@ -15881,7 +15979,7 @@
               <a:t>(</a:t>
             </a:r>
             <a:r>
-              <a:rPr lang="en-US" sz="2400" i="0" u="none" strike="noStrike" cap="none" dirty="0" err="1">
+              <a:rPr lang="el-GR" sz="2200" i="0" u="none" strike="noStrike" cap="none" dirty="0" err="1">
                 <a:solidFill>
                   <a:srgbClr val="00FF00"/>
                 </a:solidFill>
@@ -15890,10 +15988,10 @@
                 <a:cs typeface="Courier"/>
                 <a:sym typeface="Courier New"/>
               </a:rPr>
-              <a:t>fname</a:t>
-            </a:r>
-            <a:r>
-              <a:rPr lang="en-US" sz="2400" i="0" u="none" strike="noStrike" cap="none" dirty="0">
+              <a:t>ον_αρχείου</a:t>
+            </a:r>
+            <a:r>
+              <a:rPr lang="en-US" sz="2200" i="0" u="none" strike="noStrike" cap="none" dirty="0">
                 <a:solidFill>
                   <a:schemeClr val="lt1"/>
                 </a:solidFill>
@@ -15924,7 +16022,7 @@
               <a:buNone/>
             </a:pPr>
             <a:r>
-              <a:rPr lang="en-US" sz="2400" dirty="0">
+              <a:rPr lang="en-US" sz="2200" dirty="0">
                 <a:solidFill>
                   <a:srgbClr val="FFFF00"/>
                 </a:solidFill>
@@ -15936,7 +16034,7 @@
               <a:t>  </a:t>
             </a:r>
             <a:r>
-              <a:rPr lang="en-US" sz="2400" i="0" u="none" strike="noStrike" cap="none" dirty="0">
+              <a:rPr lang="en-US" sz="2200" i="0" u="none" strike="noStrike" cap="none" dirty="0">
                 <a:solidFill>
                   <a:srgbClr val="FFFF00"/>
                 </a:solidFill>
@@ -15948,7 +16046,7 @@
               <a:t>except</a:t>
             </a:r>
             <a:r>
-              <a:rPr lang="en-US" sz="2400" i="0" u="none" strike="noStrike" cap="none" dirty="0">
+              <a:rPr lang="en-US" sz="2200" i="0" u="none" strike="noStrike" cap="none" dirty="0">
                 <a:solidFill>
                   <a:schemeClr val="lt1"/>
                 </a:solidFill>
@@ -15968,7 +16066,7 @@
               <a:buSzPct val="25000"/>
             </a:pPr>
             <a:r>
-              <a:rPr lang="en-US" sz="2400" i="0" u="none" strike="noStrike" cap="none" dirty="0">
+              <a:rPr lang="en-US" sz="2200" i="0" u="none" strike="noStrike" cap="none" dirty="0">
                 <a:solidFill>
                   <a:schemeClr val="lt1"/>
                 </a:solidFill>
@@ -15980,7 +16078,7 @@
               <a:t>      </a:t>
             </a:r>
             <a:r>
-              <a:rPr lang="en-US" sz="2400" i="0" u="none" strike="noStrike" cap="none" dirty="0">
+              <a:rPr lang="en-US" sz="2200" i="0" u="none" strike="noStrike" cap="none" dirty="0">
                 <a:solidFill>
                   <a:srgbClr val="FFFF00"/>
                 </a:solidFill>
@@ -15992,7 +16090,7 @@
               <a:t>print</a:t>
             </a:r>
             <a:r>
-              <a:rPr lang="en-US" sz="2400" dirty="0">
+              <a:rPr lang="en-US" sz="2200" dirty="0">
                 <a:solidFill>
                   <a:schemeClr val="lt1"/>
                 </a:solidFill>
@@ -16004,19 +16102,19 @@
               <a:t>(</a:t>
             </a:r>
             <a:r>
-              <a:rPr lang="en-US" sz="2400" i="0" u="none" strike="noStrike" cap="none" dirty="0">
-                <a:solidFill>
-                  <a:schemeClr val="lt1"/>
-                </a:solidFill>
-                <a:latin typeface="Courier"/>
-                <a:ea typeface="Courier"/>
-                <a:cs typeface="Courier"/>
-                <a:sym typeface="Courier New"/>
-              </a:rPr>
-              <a:t>‘</a:t>
-            </a:r>
-            <a:r>
-              <a:rPr lang="el-GR" sz="2400" i="0" u="none" strike="noStrike" cap="none" dirty="0">
+              <a:rPr lang="en-US" sz="2200" i="0" u="none" strike="noStrike" cap="none" dirty="0">
+                <a:solidFill>
+                  <a:schemeClr val="lt1"/>
+                </a:solidFill>
+                <a:latin typeface="Courier"/>
+                <a:ea typeface="Courier"/>
+                <a:cs typeface="Courier"/>
+                <a:sym typeface="Courier New"/>
+              </a:rPr>
+              <a:t>'</a:t>
+            </a:r>
+            <a:r>
+              <a:rPr lang="el-GR" sz="2200" i="0" u="none" strike="noStrike" cap="none" dirty="0">
                 <a:solidFill>
                   <a:schemeClr val="lt1"/>
                 </a:solidFill>
@@ -16028,7 +16126,7 @@
               <a:t>Το αρχείο δεν μπορεί να ανοίξει</a:t>
             </a:r>
             <a:r>
-              <a:rPr lang="en-US" sz="2400" i="0" u="none" strike="noStrike" cap="none" dirty="0">
+              <a:rPr lang="en-US" sz="2200" i="0" u="none" strike="noStrike" cap="none" dirty="0">
                 <a:solidFill>
                   <a:schemeClr val="lt1"/>
                 </a:solidFill>
@@ -16040,7 +16138,7 @@
               <a:t>:', </a:t>
             </a:r>
             <a:r>
-              <a:rPr lang="en-US" sz="2400" i="0" u="none" strike="noStrike" cap="none" dirty="0" err="1">
+              <a:rPr lang="el-GR" sz="2200" i="0" u="none" strike="noStrike" cap="none" dirty="0" err="1">
                 <a:solidFill>
                   <a:srgbClr val="00FF00"/>
                 </a:solidFill>
@@ -16049,10 +16147,10 @@
                 <a:cs typeface="Courier"/>
                 <a:sym typeface="Courier New"/>
               </a:rPr>
-              <a:t>fname</a:t>
-            </a:r>
-            <a:r>
-              <a:rPr lang="en-US" sz="2400" dirty="0">
+              <a:t>ον_αρχείου</a:t>
+            </a:r>
+            <a:r>
+              <a:rPr lang="en-US" sz="2200" dirty="0">
                 <a:solidFill>
                   <a:schemeClr val="lt1"/>
                 </a:solidFill>
@@ -16063,7 +16161,7 @@
               </a:rPr>
               <a:t>)</a:t>
             </a:r>
-            <a:endParaRPr lang="en-US" sz="2400" i="0" u="none" strike="noStrike" cap="none" dirty="0">
+            <a:endParaRPr lang="en-US" sz="2200" i="0" u="none" strike="noStrike" cap="none" dirty="0">
               <a:solidFill>
                 <a:srgbClr val="00FF00"/>
               </a:solidFill>
@@ -16092,7 +16190,7 @@
               <a:buNone/>
             </a:pPr>
             <a:r>
-              <a:rPr lang="en-US" sz="2400" i="0" u="none" strike="noStrike" cap="none" dirty="0">
+              <a:rPr lang="en-US" sz="2200" i="0" u="none" strike="noStrike" cap="none" dirty="0">
                 <a:solidFill>
                   <a:schemeClr val="lt1"/>
                 </a:solidFill>
@@ -16104,7 +16202,7 @@
               <a:t>      </a:t>
             </a:r>
             <a:r>
-              <a:rPr lang="en-US" sz="2400" i="0" u="none" strike="noStrike" cap="none" dirty="0">
+              <a:rPr lang="en-US" sz="2200" i="0" u="none" strike="noStrike" cap="none" dirty="0">
                 <a:solidFill>
                   <a:srgbClr val="FF00FF"/>
                 </a:solidFill>
@@ -16116,7 +16214,7 @@
               <a:t>quit</a:t>
             </a:r>
             <a:r>
-              <a:rPr lang="en-US" sz="2400" i="0" u="none" strike="noStrike" cap="none" dirty="0">
+              <a:rPr lang="en-US" sz="2200" i="0" u="none" strike="noStrike" cap="none" dirty="0">
                 <a:solidFill>
                   <a:schemeClr val="lt1"/>
                 </a:solidFill>
@@ -16145,7 +16243,7 @@
               <a:buFont typeface="Cabin"/>
               <a:buNone/>
             </a:pPr>
-            <a:endParaRPr sz="2400" dirty="0">
+            <a:endParaRPr sz="2200" dirty="0">
               <a:solidFill>
                 <a:schemeClr val="lt1"/>
               </a:solidFill>
@@ -16174,7 +16272,7 @@
               <a:buNone/>
             </a:pPr>
             <a:r>
-              <a:rPr lang="en-US" sz="2400" dirty="0">
+              <a:rPr lang="en-US" sz="2200" dirty="0">
                 <a:solidFill>
                   <a:srgbClr val="00FF00"/>
                 </a:solidFill>
@@ -16186,7 +16284,7 @@
               <a:t>  </a:t>
             </a:r>
             <a:r>
-              <a:rPr lang="en-US" sz="2400" i="0" u="none" strike="noStrike" cap="none" dirty="0">
+              <a:rPr lang="el-GR" sz="2200" i="0" u="none" strike="noStrike" cap="none" dirty="0">
                 <a:solidFill>
                   <a:srgbClr val="00FF00"/>
                 </a:solidFill>
@@ -16195,10 +16293,10 @@
                 <a:cs typeface="Courier"/>
                 <a:sym typeface="Courier New"/>
               </a:rPr>
-              <a:t>count</a:t>
-            </a:r>
-            <a:r>
-              <a:rPr lang="en-US" sz="2400" i="0" u="none" strike="noStrike" cap="none" dirty="0">
+              <a:t>πλήθος</a:t>
+            </a:r>
+            <a:r>
+              <a:rPr lang="en-US" sz="2200" i="0" u="none" strike="noStrike" cap="none" dirty="0">
                 <a:solidFill>
                   <a:schemeClr val="lt1"/>
                 </a:solidFill>
@@ -16229,7 +16327,7 @@
               <a:buNone/>
             </a:pPr>
             <a:r>
-              <a:rPr lang="en-US" sz="2400" dirty="0">
+              <a:rPr lang="en-US" sz="2200" dirty="0">
                 <a:solidFill>
                   <a:srgbClr val="FFFF00"/>
                 </a:solidFill>
@@ -16241,7 +16339,7 @@
               <a:t>  </a:t>
             </a:r>
             <a:r>
-              <a:rPr lang="en-US" sz="2400" i="0" u="none" strike="noStrike" cap="none" dirty="0">
+              <a:rPr lang="en-US" sz="2200" i="0" u="none" strike="noStrike" cap="none" dirty="0">
                 <a:solidFill>
                   <a:srgbClr val="FFFF00"/>
                 </a:solidFill>
@@ -16253,7 +16351,7 @@
               <a:t>for</a:t>
             </a:r>
             <a:r>
-              <a:rPr lang="en-US" sz="2400" i="0" u="none" strike="noStrike" cap="none" dirty="0">
+              <a:rPr lang="en-US" sz="2200" i="0" u="none" strike="noStrike" cap="none" dirty="0">
                 <a:solidFill>
                   <a:schemeClr val="lt1"/>
                 </a:solidFill>
@@ -16265,7 +16363,7 @@
               <a:t> </a:t>
             </a:r>
             <a:r>
-              <a:rPr lang="en-US" sz="2400" i="0" u="none" strike="noStrike" cap="none" dirty="0">
+              <a:rPr lang="el-GR" sz="2200" i="0" u="none" strike="noStrike" cap="none" dirty="0">
                 <a:solidFill>
                   <a:srgbClr val="00FF00"/>
                 </a:solidFill>
@@ -16274,10 +16372,10 @@
                 <a:cs typeface="Courier"/>
                 <a:sym typeface="Courier New"/>
               </a:rPr>
-              <a:t>line</a:t>
-            </a:r>
-            <a:r>
-              <a:rPr lang="en-US" sz="2400" i="0" u="none" strike="noStrike" cap="none" dirty="0">
+              <a:t>γραμμή</a:t>
+            </a:r>
+            <a:r>
+              <a:rPr lang="en-US" sz="2200" i="0" u="none" strike="noStrike" cap="none" dirty="0">
                 <a:solidFill>
                   <a:schemeClr val="lt1"/>
                 </a:solidFill>
@@ -16289,7 +16387,7 @@
               <a:t> </a:t>
             </a:r>
             <a:r>
-              <a:rPr lang="en-US" sz="2400" i="0" u="none" strike="noStrike" cap="none" dirty="0">
+              <a:rPr lang="en-US" sz="2200" i="0" u="none" strike="noStrike" cap="none" dirty="0">
                 <a:solidFill>
                   <a:srgbClr val="FFFF00"/>
                 </a:solidFill>
@@ -16301,7 +16399,7 @@
               <a:t>in</a:t>
             </a:r>
             <a:r>
-              <a:rPr lang="en-US" sz="2400" i="0" u="none" strike="noStrike" cap="none" dirty="0">
+              <a:rPr lang="en-US" sz="2200" i="0" u="none" strike="noStrike" cap="none" dirty="0">
                 <a:solidFill>
                   <a:schemeClr val="lt1"/>
                 </a:solidFill>
@@ -16313,7 +16411,7 @@
               <a:t> </a:t>
             </a:r>
             <a:r>
-              <a:rPr lang="en-US" sz="2400" i="0" u="none" strike="noStrike" cap="none" dirty="0" err="1">
+              <a:rPr lang="en-US" sz="2200" i="0" u="none" strike="noStrike" cap="none" dirty="0" err="1">
                 <a:solidFill>
                   <a:srgbClr val="00FF00"/>
                 </a:solidFill>
@@ -16325,7 +16423,7 @@
               <a:t>fhand</a:t>
             </a:r>
             <a:r>
-              <a:rPr lang="en-US" sz="2400" i="0" u="none" strike="noStrike" cap="none" dirty="0">
+              <a:rPr lang="en-US" sz="2200" i="0" u="none" strike="noStrike" cap="none" dirty="0">
                 <a:solidFill>
                   <a:schemeClr val="lt1"/>
                 </a:solidFill>
@@ -16356,7 +16454,7 @@
               <a:buNone/>
             </a:pPr>
             <a:r>
-              <a:rPr lang="en-US" sz="2400" i="0" u="none" strike="noStrike" cap="none" dirty="0">
+              <a:rPr lang="en-US" sz="2200" i="0" u="none" strike="noStrike" cap="none" dirty="0">
                 <a:solidFill>
                   <a:schemeClr val="lt1"/>
                 </a:solidFill>
@@ -16368,7 +16466,7 @@
               <a:t>      </a:t>
             </a:r>
             <a:r>
-              <a:rPr lang="en-US" sz="2400" i="0" u="none" strike="noStrike" cap="none" dirty="0">
+              <a:rPr lang="en-US" sz="2200" i="0" u="none" strike="noStrike" cap="none" dirty="0">
                 <a:solidFill>
                   <a:srgbClr val="FFFF00"/>
                 </a:solidFill>
@@ -16380,7 +16478,7 @@
               <a:t>if</a:t>
             </a:r>
             <a:r>
-              <a:rPr lang="en-US" sz="2400" i="0" u="none" strike="noStrike" cap="none" dirty="0">
+              <a:rPr lang="en-US" sz="2200" i="0" u="none" strike="noStrike" cap="none" dirty="0">
                 <a:solidFill>
                   <a:schemeClr val="lt1"/>
                 </a:solidFill>
@@ -16392,7 +16490,7 @@
               <a:t> </a:t>
             </a:r>
             <a:r>
-              <a:rPr lang="en-US" sz="2400" i="0" u="none" strike="noStrike" cap="none" dirty="0" err="1">
+              <a:rPr lang="el-GR" sz="2200" i="0" u="none" strike="noStrike" cap="none" dirty="0">
                 <a:solidFill>
                   <a:srgbClr val="00FF00"/>
                 </a:solidFill>
@@ -16401,10 +16499,10 @@
                 <a:cs typeface="Courier"/>
                 <a:sym typeface="Courier New"/>
               </a:rPr>
-              <a:t>line</a:t>
-            </a:r>
-            <a:r>
-              <a:rPr lang="en-US" sz="2400" i="0" u="none" strike="noStrike" cap="none" dirty="0" err="1">
+              <a:t>γραμμή</a:t>
+            </a:r>
+            <a:r>
+              <a:rPr lang="en-US" sz="2200" i="0" u="none" strike="noStrike" cap="none" dirty="0">
                 <a:solidFill>
                   <a:srgbClr val="FF00FF"/>
                 </a:solidFill>
@@ -16413,10 +16511,22 @@
                 <a:cs typeface="Courier"/>
                 <a:sym typeface="Courier New"/>
               </a:rPr>
-              <a:t>.startswith</a:t>
-            </a:r>
-            <a:r>
-              <a:rPr lang="en-US" sz="2400" i="0" u="none" strike="noStrike" cap="none" dirty="0">
+              <a:t>.</a:t>
+            </a:r>
+            <a:r>
+              <a:rPr lang="en-US" sz="2200" i="0" u="none" strike="noStrike" cap="none" dirty="0" err="1">
+                <a:solidFill>
+                  <a:srgbClr val="FF00FF"/>
+                </a:solidFill>
+                <a:latin typeface="Courier"/>
+                <a:ea typeface="Courier"/>
+                <a:cs typeface="Courier"/>
+                <a:sym typeface="Courier New"/>
+              </a:rPr>
+              <a:t>startswith</a:t>
+            </a:r>
+            <a:r>
+              <a:rPr lang="en-US" sz="2200" i="0" u="none" strike="noStrike" cap="none" dirty="0">
                 <a:solidFill>
                   <a:schemeClr val="lt1"/>
                 </a:solidFill>
@@ -16447,7 +16557,7 @@
               <a:buNone/>
             </a:pPr>
             <a:r>
-              <a:rPr lang="en-US" sz="2400" i="0" u="none" strike="noStrike" cap="none" dirty="0">
+              <a:rPr lang="en-US" sz="2200" i="0" u="none" strike="noStrike" cap="none" dirty="0">
                 <a:solidFill>
                   <a:schemeClr val="lt1"/>
                 </a:solidFill>
@@ -16459,7 +16569,7 @@
               <a:t>          </a:t>
             </a:r>
             <a:r>
-              <a:rPr lang="en-US" sz="2400" i="0" u="none" strike="noStrike" cap="none" dirty="0">
+              <a:rPr lang="el-GR" sz="2200" i="0" u="none" strike="noStrike" cap="none" dirty="0">
                 <a:solidFill>
                   <a:srgbClr val="00FF00"/>
                 </a:solidFill>
@@ -16468,10 +16578,10 @@
                 <a:cs typeface="Courier"/>
                 <a:sym typeface="Courier New"/>
               </a:rPr>
-              <a:t>count</a:t>
-            </a:r>
-            <a:r>
-              <a:rPr lang="en-US" sz="2400" i="0" u="none" strike="noStrike" cap="none" dirty="0">
+              <a:t>πλήθος</a:t>
+            </a:r>
+            <a:r>
+              <a:rPr lang="en-US" sz="2200" i="0" u="none" strike="noStrike" cap="none" dirty="0">
                 <a:solidFill>
                   <a:schemeClr val="lt1"/>
                 </a:solidFill>
@@ -16483,7 +16593,7 @@
               <a:t> = </a:t>
             </a:r>
             <a:r>
-              <a:rPr lang="en-US" sz="2400" i="0" u="none" strike="noStrike" cap="none" dirty="0">
+              <a:rPr lang="el-GR" sz="2200" i="0" u="none" strike="noStrike" cap="none" dirty="0">
                 <a:solidFill>
                   <a:srgbClr val="00FF00"/>
                 </a:solidFill>
@@ -16492,10 +16602,10 @@
                 <a:cs typeface="Courier"/>
                 <a:sym typeface="Courier New"/>
               </a:rPr>
-              <a:t>count</a:t>
-            </a:r>
-            <a:r>
-              <a:rPr lang="en-US" sz="2400" i="0" u="none" strike="noStrike" cap="none" dirty="0">
+              <a:t>πλήθος</a:t>
+            </a:r>
+            <a:r>
+              <a:rPr lang="en-US" sz="2200" i="0" u="none" strike="noStrike" cap="none" dirty="0">
                 <a:solidFill>
                   <a:schemeClr val="lt1"/>
                 </a:solidFill>
@@ -16515,7 +16625,7 @@
               <a:buSzPct val="25000"/>
             </a:pPr>
             <a:r>
-              <a:rPr lang="en-US" sz="2400" dirty="0">
+              <a:rPr lang="en-US" sz="2200" dirty="0">
                 <a:solidFill>
                   <a:srgbClr val="FFFF00"/>
                 </a:solidFill>
@@ -16527,7 +16637,7 @@
               <a:t>  </a:t>
             </a:r>
             <a:r>
-              <a:rPr lang="en-US" sz="2400" i="0" u="none" strike="noStrike" cap="none" dirty="0">
+              <a:rPr lang="en-US" sz="2200" i="0" u="none" strike="noStrike" cap="none" dirty="0">
                 <a:solidFill>
                   <a:srgbClr val="FFFF00"/>
                 </a:solidFill>
@@ -16539,7 +16649,7 @@
               <a:t>print</a:t>
             </a:r>
             <a:r>
-              <a:rPr lang="en-US" sz="2400" dirty="0">
+              <a:rPr lang="en-US" sz="2200" dirty="0">
                 <a:solidFill>
                   <a:schemeClr val="lt1"/>
                 </a:solidFill>
@@ -16551,19 +16661,19 @@
               <a:t>(</a:t>
             </a:r>
             <a:r>
-              <a:rPr lang="en-US" sz="2400" i="0" u="none" strike="noStrike" cap="none" dirty="0">
-                <a:solidFill>
-                  <a:schemeClr val="lt1"/>
-                </a:solidFill>
-                <a:latin typeface="Courier"/>
-                <a:ea typeface="Courier"/>
-                <a:cs typeface="Courier"/>
-                <a:sym typeface="Courier New"/>
-              </a:rPr>
-              <a:t>‘</a:t>
-            </a:r>
-            <a:r>
-              <a:rPr lang="el-GR" sz="2400" i="0" u="none" strike="noStrike" cap="none" dirty="0">
+              <a:rPr lang="en-US" sz="2200" i="0" u="none" strike="noStrike" cap="none" dirty="0">
+                <a:solidFill>
+                  <a:schemeClr val="lt1"/>
+                </a:solidFill>
+                <a:latin typeface="Courier"/>
+                <a:ea typeface="Courier"/>
+                <a:cs typeface="Courier"/>
+                <a:sym typeface="Courier New"/>
+              </a:rPr>
+              <a:t>'</a:t>
+            </a:r>
+            <a:r>
+              <a:rPr lang="el-GR" sz="2200" i="0" u="none" strike="noStrike" cap="none" dirty="0">
                 <a:solidFill>
                   <a:schemeClr val="lt1"/>
                 </a:solidFill>
@@ -16575,7 +16685,7 @@
               <a:t>Βρέθηκαν</a:t>
             </a:r>
             <a:r>
-              <a:rPr lang="en-US" sz="2400" i="0" u="none" strike="noStrike" cap="none" dirty="0">
+              <a:rPr lang="en-US" sz="2200" i="0" u="none" strike="noStrike" cap="none" dirty="0">
                 <a:solidFill>
                   <a:schemeClr val="lt1"/>
                 </a:solidFill>
@@ -16587,7 +16697,7 @@
               <a:t>', </a:t>
             </a:r>
             <a:r>
-              <a:rPr lang="en-US" sz="2400" i="0" u="none" strike="noStrike" cap="none" dirty="0">
+              <a:rPr lang="el-GR" sz="2200" i="0" u="none" strike="noStrike" cap="none" dirty="0">
                 <a:solidFill>
                   <a:srgbClr val="00FF00"/>
                 </a:solidFill>
@@ -16596,22 +16706,22 @@
                 <a:cs typeface="Courier"/>
                 <a:sym typeface="Courier New"/>
               </a:rPr>
-              <a:t>count</a:t>
-            </a:r>
-            <a:r>
-              <a:rPr lang="en-US" sz="2400" i="0" u="none" strike="noStrike" cap="none" dirty="0">
-                <a:solidFill>
-                  <a:schemeClr val="lt1"/>
-                </a:solidFill>
-                <a:latin typeface="Courier"/>
-                <a:ea typeface="Courier"/>
-                <a:cs typeface="Courier"/>
-                <a:sym typeface="Courier New"/>
-              </a:rPr>
-              <a:t>, ‘</a:t>
-            </a:r>
-            <a:r>
-              <a:rPr lang="el-GR" sz="2400" i="0" u="none" strike="noStrike" cap="none" dirty="0">
+              <a:t>πλήθος</a:t>
+            </a:r>
+            <a:r>
+              <a:rPr lang="en-US" sz="2200" i="0" u="none" strike="noStrike" cap="none" dirty="0">
+                <a:solidFill>
+                  <a:schemeClr val="lt1"/>
+                </a:solidFill>
+                <a:latin typeface="Courier"/>
+                <a:ea typeface="Courier"/>
+                <a:cs typeface="Courier"/>
+                <a:sym typeface="Courier New"/>
+              </a:rPr>
+              <a:t>, '</a:t>
+            </a:r>
+            <a:r>
+              <a:rPr lang="el-GR" sz="2200" i="0" u="none" strike="noStrike" cap="none" dirty="0">
                 <a:solidFill>
                   <a:schemeClr val="lt1"/>
                 </a:solidFill>
@@ -16623,7 +16733,7 @@
               <a:t>γραμμές </a:t>
             </a:r>
             <a:r>
-              <a:rPr lang="en-US" sz="2400" i="0" u="none" strike="noStrike" cap="none" dirty="0">
+              <a:rPr lang="en-US" sz="2200" i="0" u="none" strike="noStrike" cap="none" dirty="0">
                 <a:solidFill>
                   <a:schemeClr val="lt1"/>
                 </a:solidFill>
@@ -16635,7 +16745,7 @@
               <a:t>subject </a:t>
             </a:r>
             <a:r>
-              <a:rPr lang="el-GR" sz="2400" i="0" u="none" strike="noStrike" cap="none" dirty="0">
+              <a:rPr lang="el-GR" sz="2200" i="0" u="none" strike="noStrike" cap="none" dirty="0">
                 <a:solidFill>
                   <a:schemeClr val="lt1"/>
                 </a:solidFill>
@@ -16647,7 +16757,7 @@
               <a:t>στο</a:t>
             </a:r>
             <a:r>
-              <a:rPr lang="en-US" sz="2400" i="0" u="none" strike="noStrike" cap="none" dirty="0">
+              <a:rPr lang="en-US" sz="2200" i="0" u="none" strike="noStrike" cap="none" dirty="0">
                 <a:solidFill>
                   <a:schemeClr val="lt1"/>
                 </a:solidFill>
@@ -16659,19 +16769,19 @@
               <a:t>', </a:t>
             </a:r>
             <a:r>
-              <a:rPr lang="en-US" sz="2400" i="0" u="none" strike="noStrike" cap="none" dirty="0" err="1">
-                <a:solidFill>
-                  <a:schemeClr val="lt1"/>
-                </a:solidFill>
-                <a:latin typeface="Courier"/>
-                <a:ea typeface="Courier"/>
-                <a:cs typeface="Courier"/>
-                <a:sym typeface="Courier New"/>
-              </a:rPr>
-              <a:t>fname</a:t>
-            </a:r>
-            <a:r>
-              <a:rPr lang="en-US" sz="2400" dirty="0">
+              <a:rPr lang="el-GR" sz="2200" i="0" u="none" strike="noStrike" cap="none" dirty="0" err="1">
+                <a:solidFill>
+                  <a:schemeClr val="lt1"/>
+                </a:solidFill>
+                <a:latin typeface="Courier"/>
+                <a:ea typeface="Courier"/>
+                <a:cs typeface="Courier"/>
+                <a:sym typeface="Courier New"/>
+              </a:rPr>
+              <a:t>ον_αρχείου</a:t>
+            </a:r>
+            <a:r>
+              <a:rPr lang="en-US" sz="2200" dirty="0">
                 <a:solidFill>
                   <a:schemeClr val="lt1"/>
                 </a:solidFill>
@@ -16682,7 +16792,7 @@
               </a:rPr>
               <a:t>)</a:t>
             </a:r>
-            <a:endParaRPr lang="en-US" sz="2400" i="0" u="none" strike="noStrike" cap="none" dirty="0">
+            <a:endParaRPr lang="en-US" sz="2200" i="0" u="none" strike="noStrike" cap="none" dirty="0">
               <a:solidFill>
                 <a:schemeClr val="lt1"/>
               </a:solidFill>
@@ -18010,6 +18120,39 @@
           </a:p>
         </p:txBody>
       </p:sp>
+      <p:pic>
+        <p:nvPicPr>
+          <p:cNvPr id="6" name="Shape 536">
+            <a:extLst>
+              <a:ext uri="{FF2B5EF4-FFF2-40B4-BE49-F238E27FC236}">
+                <a16:creationId xmlns:a16="http://schemas.microsoft.com/office/drawing/2014/main" id="{BE10AF01-D437-453D-BE38-BD03821DC145}"/>
+              </a:ext>
+            </a:extLst>
+          </p:cNvPr>
+          <p:cNvPicPr preferRelativeResize="0"/>
+          <p:nvPr/>
+        </p:nvPicPr>
+        <p:blipFill rotWithShape="1">
+          <a:blip r:embed="rId5">
+            <a:alphaModFix/>
+          </a:blip>
+          <a:srcRect/>
+          <a:stretch/>
+        </p:blipFill>
+        <p:spPr>
+          <a:xfrm>
+            <a:off x="643300" y="789709"/>
+            <a:ext cx="1024800" cy="1024800"/>
+          </a:xfrm>
+          <a:prstGeom prst="rect">
+            <a:avLst/>
+          </a:prstGeom>
+          <a:noFill/>
+          <a:ln>
+            <a:noFill/>
+          </a:ln>
+        </p:spPr>
+      </p:pic>
     </p:spTree>
   </p:cSld>
   <p:clrMapOvr>
@@ -20980,7 +21123,7 @@
         </p:nvSpPr>
         <p:spPr>
           <a:xfrm>
-            <a:off x="9294500" y="2748725"/>
+            <a:off x="9294500" y="2831949"/>
             <a:ext cx="6691499" cy="5245499"/>
           </a:xfrm>
           <a:prstGeom prst="rect">
@@ -21049,6 +21192,170 @@
                 <a:sym typeface="Courier New"/>
               </a:rPr>
               <a:t> = 'Hello</a:t>
+            </a:r>
+            <a:r>
+              <a:rPr lang="en-US" sz="3000" i="0" u="none" strike="noStrike" cap="none" dirty="0">
+                <a:solidFill>
+                  <a:srgbClr val="00FFFF"/>
+                </a:solidFill>
+                <a:latin typeface="Courier"/>
+                <a:ea typeface="Courier"/>
+                <a:cs typeface="Courier"/>
+                <a:sym typeface="Courier New"/>
+              </a:rPr>
+              <a:t>\</a:t>
+            </a:r>
+            <a:r>
+              <a:rPr lang="en-US" sz="3000" i="0" u="none" strike="noStrike" cap="none" dirty="0" err="1">
+                <a:solidFill>
+                  <a:srgbClr val="00FFFF"/>
+                </a:solidFill>
+                <a:latin typeface="Courier"/>
+                <a:ea typeface="Courier"/>
+                <a:cs typeface="Courier"/>
+                <a:sym typeface="Courier New"/>
+              </a:rPr>
+              <a:t>n</a:t>
+            </a:r>
+            <a:r>
+              <a:rPr lang="en-US" sz="3000" i="0" u="none" strike="noStrike" cap="none" dirty="0" err="1">
+                <a:solidFill>
+                  <a:schemeClr val="lt1"/>
+                </a:solidFill>
+                <a:latin typeface="Courier"/>
+                <a:ea typeface="Courier"/>
+                <a:cs typeface="Courier"/>
+                <a:sym typeface="Courier New"/>
+              </a:rPr>
+              <a:t>World</a:t>
+            </a:r>
+            <a:r>
+              <a:rPr lang="en-US" sz="3000" i="0" u="none" strike="noStrike" cap="none" dirty="0">
+                <a:solidFill>
+                  <a:schemeClr val="lt1"/>
+                </a:solidFill>
+                <a:latin typeface="Courier"/>
+                <a:ea typeface="Courier"/>
+                <a:cs typeface="Courier"/>
+                <a:sym typeface="Courier New"/>
+              </a:rPr>
+              <a:t>!</a:t>
+            </a:r>
+            <a:r>
+              <a:rPr lang="en-US" sz="3000" dirty="0">
+                <a:solidFill>
+                  <a:schemeClr val="lt1"/>
+                </a:solidFill>
+                <a:latin typeface="Courier"/>
+                <a:ea typeface="Courier"/>
+                <a:cs typeface="Courier"/>
+                <a:sym typeface="Courier New"/>
+              </a:rPr>
+              <a:t>’</a:t>
+            </a:r>
+            <a:endParaRPr lang="el-GR" sz="3000" dirty="0">
+              <a:solidFill>
+                <a:schemeClr val="lt1"/>
+              </a:solidFill>
+              <a:latin typeface="Courier"/>
+              <a:ea typeface="Courier"/>
+              <a:cs typeface="Courier"/>
+              <a:sym typeface="Courier New"/>
+            </a:endParaRPr>
+          </a:p>
+          <a:p>
+            <a:pPr marL="0" marR="0" lvl="0" indent="0" algn="l" rtl="0">
+              <a:lnSpc>
+                <a:spcPct val="100000"/>
+              </a:lnSpc>
+              <a:spcBef>
+                <a:spcPts val="0"/>
+              </a:spcBef>
+              <a:spcAft>
+                <a:spcPts val="0"/>
+              </a:spcAft>
+              <a:buClr>
+                <a:schemeClr val="lt1"/>
+              </a:buClr>
+              <a:buSzPct val="25000"/>
+              <a:buFont typeface="Cabin"/>
+              <a:buNone/>
+            </a:pPr>
+            <a:r>
+              <a:rPr lang="en-US" sz="3000" i="0" u="none" strike="noStrike" cap="none" dirty="0">
+                <a:solidFill>
+                  <a:schemeClr val="lt1"/>
+                </a:solidFill>
+                <a:latin typeface="Courier"/>
+                <a:ea typeface="Courier"/>
+                <a:cs typeface="Courier"/>
+                <a:sym typeface="Courier New"/>
+              </a:rPr>
+              <a:t>&gt;&gt;&gt; </a:t>
+            </a:r>
+            <a:r>
+              <a:rPr lang="en-US" sz="3000" i="0" u="none" strike="noStrike" cap="none" dirty="0">
+                <a:solidFill>
+                  <a:srgbClr val="00FF00"/>
+                </a:solidFill>
+                <a:latin typeface="Courier"/>
+                <a:ea typeface="Courier"/>
+                <a:cs typeface="Courier"/>
+                <a:sym typeface="Courier New"/>
+              </a:rPr>
+              <a:t>stuff</a:t>
+            </a:r>
+            <a:r>
+              <a:rPr lang="en-US" sz="3000" i="0" u="none" strike="noStrike" cap="none" dirty="0">
+                <a:solidFill>
+                  <a:schemeClr val="lt1"/>
+                </a:solidFill>
+                <a:latin typeface="Courier"/>
+                <a:ea typeface="Courier"/>
+                <a:cs typeface="Courier"/>
+                <a:sym typeface="Courier New"/>
+              </a:rPr>
+              <a:t> </a:t>
+            </a:r>
+            <a:endParaRPr lang="el-GR" sz="3000" i="0" u="none" strike="noStrike" cap="none" dirty="0">
+              <a:solidFill>
+                <a:schemeClr val="lt1"/>
+              </a:solidFill>
+              <a:latin typeface="Courier"/>
+              <a:ea typeface="Courier"/>
+              <a:cs typeface="Courier"/>
+              <a:sym typeface="Courier New"/>
+            </a:endParaRPr>
+          </a:p>
+          <a:p>
+            <a:pPr marL="0" marR="0" lvl="0" indent="0" algn="l" rtl="0">
+              <a:lnSpc>
+                <a:spcPct val="100000"/>
+              </a:lnSpc>
+              <a:spcBef>
+                <a:spcPts val="0"/>
+              </a:spcBef>
+              <a:spcAft>
+                <a:spcPts val="0"/>
+              </a:spcAft>
+              <a:buClr>
+                <a:schemeClr val="lt1"/>
+              </a:buClr>
+              <a:buSzPct val="25000"/>
+              <a:buFont typeface="Cabin"/>
+              <a:buNone/>
+            </a:pPr>
+            <a:r>
+              <a:rPr lang="en-US" sz="3000" i="0" u="none" strike="noStrike" cap="none" dirty="0">
+                <a:solidFill>
+                  <a:schemeClr val="lt1"/>
+                </a:solidFill>
+                <a:latin typeface="Courier"/>
+                <a:ea typeface="Courier"/>
+                <a:cs typeface="Courier"/>
+                <a:sym typeface="Courier New"/>
+              </a:rPr>
+              <a:t>'Hello</a:t>
             </a:r>
             <a:r>
               <a:rPr lang="en-US" sz="3000" i="0" u="none" strike="noStrike" cap="none" dirty="0">

--- a/lectures3/gr/Pythonlearn-07-Files.pptx
+++ b/lectures3/gr/Pythonlearn-07-Files.pptx
@@ -571,28 +571,44 @@
               <a:buNone/>
             </a:pPr>
             <a:r>
+              <a:rPr lang="el-GR" dirty="0">
+                <a:solidFill>
+                  <a:schemeClr val="dk2"/>
+                </a:solidFill>
+              </a:rPr>
+              <a:t>Σημείωση από τον </a:t>
+            </a:r>
+            <a:r>
               <a:rPr lang="en-US" dirty="0">
                 <a:solidFill>
                   <a:schemeClr val="dk2"/>
                 </a:solidFill>
               </a:rPr>
-              <a:t>Note from Chuck.  </a:t>
-            </a:r>
-            <a:r>
-              <a:rPr lang="en-US">
+              <a:t> Chuck</a:t>
+            </a:r>
+            <a:r>
+              <a:rPr lang="el-GR" dirty="0">
                 <a:solidFill>
                   <a:schemeClr val="dk2"/>
                 </a:solidFill>
               </a:rPr>
-              <a:t>If you are using these materials, you can remove the UM logo and replace it with your own, but please retain the CC-BY logo on the first page as well as retain the acknowledgement page(s)</a:t>
-            </a:r>
-            <a:r>
-              <a:rPr lang="en-US" baseline="0">
+              <a:t>. Εάν χρησιμοποιείτε αυτό το υλικό, μπορείτε να αφαιρέσετε το λογότυπο UM και να το αντικαταστήσετε με το δικό σας, αλλά διατηρήστε το λογότυπο CC-BY στην πρώτη σελίδα καθώς την/τις σελίδα/</a:t>
+            </a:r>
+            <a:r>
+              <a:rPr lang="el-GR" dirty="0" err="1">
                 <a:solidFill>
                   <a:schemeClr val="dk2"/>
                 </a:solidFill>
               </a:rPr>
-              <a:t> at the end.</a:t>
+              <a:t>ες</a:t>
+            </a:r>
+            <a:r>
+              <a:rPr lang="el-GR">
+                <a:solidFill>
+                  <a:schemeClr val="dk2"/>
+                </a:solidFill>
+              </a:rPr>
+              <a:t> αναγνώρισης.</a:t>
             </a:r>
             <a:endParaRPr lang="en-US" dirty="0">
               <a:solidFill>
